--- a/chapter-02/04-rollingupdates/02_04_rollingupdates.pptx
+++ b/chapter-02/04-rollingupdates/02_04_rollingupdates.pptx
@@ -260,7 +260,7 @@
           <a:p>
             <a:fld id="{7C2A2C10-8C9F-9B42-9862-A5B84F1CAB8B}" type="datetimeFigureOut">
               <a:rPr lang="en-US" smtClean="0"/>
-              <a:t>4/14/2023</a:t>
+              <a:t>4/16/2023</a:t>
             </a:fld>
             <a:endParaRPr lang="en-US"/>
           </a:p>
@@ -15480,7 +15480,7 @@
             </a:r>
             <a:r>
               <a:rPr lang="en-US" dirty="0"/>
-              <a:t>’ in the ‘chapter-02’ namespace that uses the redis:6.0-alpine image</a:t>
+              <a:t>’ in the ‘chapter-02’ namespace that uses the ‘redis:6.0-alpine’ image</a:t>
             </a:r>
           </a:p>
           <a:p>
@@ -15592,7 +15592,7 @@
           <a:p>
             <a:r>
               <a:rPr lang="en-US" dirty="0"/>
-              <a:t>Change the container image to redis:7.0-alpine</a:t>
+              <a:t>Change the container image to ‘redis:7.0-alpine’</a:t>
             </a:r>
           </a:p>
           <a:p>
